--- a/Slides/SDHCAL工作总结-电子学（4页）.pptx
+++ b/Slides/SDHCAL工作总结-电子学（4页）.pptx
@@ -5,16 +5,18 @@
     <p:sldMasterId id="2147484737" r:id="rId1"/>
   </p:sldMasterIdLst>
   <p:notesMasterIdLst>
-    <p:notesMasterId r:id="rId6"/>
+    <p:notesMasterId r:id="rId8"/>
   </p:notesMasterIdLst>
   <p:handoutMasterIdLst>
-    <p:handoutMasterId r:id="rId7"/>
+    <p:handoutMasterId r:id="rId9"/>
   </p:handoutMasterIdLst>
   <p:sldIdLst>
     <p:sldId id="260" r:id="rId2"/>
     <p:sldId id="280" r:id="rId3"/>
     <p:sldId id="283" r:id="rId4"/>
     <p:sldId id="286" r:id="rId5"/>
+    <p:sldId id="287" r:id="rId6"/>
+    <p:sldId id="288" r:id="rId7"/>
   </p:sldIdLst>
   <p:sldSz cx="9144000" cy="6858000" type="screen4x3"/>
   <p:notesSz cx="6797675" cy="9926638"/>
@@ -253,7 +255,7 @@
               <a:pPr>
                 <a:defRPr/>
               </a:pPr>
-              <a:t>2017/7/12</a:t>
+              <a:t>2017/7/13</a:t>
             </a:fld>
             <a:endParaRPr lang="zh-CN" altLang="en-US"/>
           </a:p>
@@ -456,7 +458,7 @@
               <a:pPr>
                 <a:defRPr/>
               </a:pPr>
-              <a:t>2017/7/12</a:t>
+              <a:t>2017/7/13</a:t>
             </a:fld>
             <a:endParaRPr lang="zh-CN" altLang="en-US"/>
           </a:p>
@@ -1073,6 +1075,282 @@
     <p:extLst>
       <p:ext uri="{BB962C8B-B14F-4D97-AF65-F5344CB8AC3E}">
         <p14:creationId xmlns:p14="http://schemas.microsoft.com/office/powerpoint/2010/main" val="1089797154"/>
+      </p:ext>
+    </p:extLst>
+  </p:cSld>
+  <p:clrMapOvr>
+    <a:masterClrMapping/>
+  </p:clrMapOvr>
+</p:notes>
+</file>
+
+<file path=ppt/notesSlides/notesSlide3.xml><?xml version="1.0" encoding="utf-8"?>
+<p:notes xmlns:a="http://schemas.openxmlformats.org/drawingml/2006/main" xmlns:r="http://schemas.openxmlformats.org/officeDocument/2006/relationships" xmlns:p="http://schemas.openxmlformats.org/presentationml/2006/main">
+  <p:cSld>
+    <p:spTree>
+      <p:nvGrpSpPr>
+        <p:cNvPr id="1" name=""/>
+        <p:cNvGrpSpPr/>
+        <p:nvPr/>
+      </p:nvGrpSpPr>
+      <p:grpSpPr>
+        <a:xfrm>
+          <a:off x="0" y="0"/>
+          <a:ext cx="0" cy="0"/>
+          <a:chOff x="0" y="0"/>
+          <a:chExt cx="0" cy="0"/>
+        </a:xfrm>
+      </p:grpSpPr>
+      <p:sp>
+        <p:nvSpPr>
+          <p:cNvPr id="2" name="幻灯片图像占位符 1"/>
+          <p:cNvSpPr>
+            <a:spLocks noGrp="1" noRot="1" noChangeAspect="1"/>
+          </p:cNvSpPr>
+          <p:nvPr>
+            <p:ph type="sldImg"/>
+          </p:nvPr>
+        </p:nvSpPr>
+        <p:spPr/>
+      </p:sp>
+      <p:sp>
+        <p:nvSpPr>
+          <p:cNvPr id="3" name="备注占位符 2"/>
+          <p:cNvSpPr>
+            <a:spLocks noGrp="1"/>
+          </p:cNvSpPr>
+          <p:nvPr>
+            <p:ph type="body" idx="1"/>
+          </p:nvPr>
+        </p:nvSpPr>
+        <p:spPr/>
+        <p:txBody>
+          <a:bodyPr/>
+          <a:lstStyle/>
+          <a:p>
+            <a:r>
+              <a:rPr lang="zh-CN" altLang="en-US" dirty="0" smtClean="0"/>
+              <a:t>搭建小型系统</a:t>
+            </a:r>
+            <a:endParaRPr lang="zh-CN" altLang="en-US" dirty="0"/>
+          </a:p>
+        </p:txBody>
+      </p:sp>
+      <p:sp>
+        <p:nvSpPr>
+          <p:cNvPr id="4" name="灯片编号占位符 3"/>
+          <p:cNvSpPr>
+            <a:spLocks noGrp="1"/>
+          </p:cNvSpPr>
+          <p:nvPr>
+            <p:ph type="sldNum" sz="quarter" idx="10"/>
+          </p:nvPr>
+        </p:nvSpPr>
+        <p:spPr/>
+        <p:txBody>
+          <a:bodyPr/>
+          <a:lstStyle/>
+          <a:p>
+            <a:pPr>
+              <a:defRPr/>
+            </a:pPr>
+            <a:fld id="{B99B61ED-B7A9-4C21-8DC5-D98D38EDDCA2}" type="slidenum">
+              <a:rPr lang="zh-CN" altLang="en-US" smtClean="0"/>
+              <a:pPr>
+                <a:defRPr/>
+              </a:pPr>
+              <a:t>5</a:t>
+            </a:fld>
+            <a:endParaRPr lang="zh-CN" altLang="en-US"/>
+          </a:p>
+        </p:txBody>
+      </p:sp>
+    </p:spTree>
+    <p:extLst>
+      <p:ext uri="{BB962C8B-B14F-4D97-AF65-F5344CB8AC3E}">
+        <p14:creationId xmlns:p14="http://schemas.microsoft.com/office/powerpoint/2010/main" val="1871874881"/>
+      </p:ext>
+    </p:extLst>
+  </p:cSld>
+  <p:clrMapOvr>
+    <a:masterClrMapping/>
+  </p:clrMapOvr>
+</p:notes>
+</file>
+
+<file path=ppt/notesSlides/notesSlide4.xml><?xml version="1.0" encoding="utf-8"?>
+<p:notes xmlns:a="http://schemas.openxmlformats.org/drawingml/2006/main" xmlns:r="http://schemas.openxmlformats.org/officeDocument/2006/relationships" xmlns:p="http://schemas.openxmlformats.org/presentationml/2006/main">
+  <p:cSld>
+    <p:spTree>
+      <p:nvGrpSpPr>
+        <p:cNvPr id="1" name=""/>
+        <p:cNvGrpSpPr/>
+        <p:nvPr/>
+      </p:nvGrpSpPr>
+      <p:grpSpPr>
+        <a:xfrm>
+          <a:off x="0" y="0"/>
+          <a:ext cx="0" cy="0"/>
+          <a:chOff x="0" y="0"/>
+          <a:chExt cx="0" cy="0"/>
+        </a:xfrm>
+      </p:grpSpPr>
+      <p:sp>
+        <p:nvSpPr>
+          <p:cNvPr id="2" name="幻灯片图像占位符 1"/>
+          <p:cNvSpPr>
+            <a:spLocks noGrp="1" noRot="1" noChangeAspect="1"/>
+          </p:cNvSpPr>
+          <p:nvPr>
+            <p:ph type="sldImg"/>
+          </p:nvPr>
+        </p:nvSpPr>
+        <p:spPr/>
+      </p:sp>
+      <p:sp>
+        <p:nvSpPr>
+          <p:cNvPr id="3" name="备注占位符 2"/>
+          <p:cNvSpPr>
+            <a:spLocks noGrp="1"/>
+          </p:cNvSpPr>
+          <p:nvPr>
+            <p:ph type="body" idx="1"/>
+          </p:nvPr>
+        </p:nvSpPr>
+        <p:spPr/>
+        <p:txBody>
+          <a:bodyPr/>
+          <a:lstStyle/>
+          <a:p>
+            <a:r>
+              <a:rPr lang="zh-CN" altLang="en-US" dirty="0" smtClean="0"/>
+              <a:t>通过对</a:t>
+            </a:r>
+            <a:r>
+              <a:rPr lang="en-US" altLang="zh-CN" dirty="0" smtClean="0"/>
+              <a:t>CALICE</a:t>
+            </a:r>
+            <a:r>
+              <a:rPr lang="zh-CN" altLang="en-US" dirty="0" smtClean="0"/>
+              <a:t>数据获取方案的调研，我借鉴了</a:t>
+            </a:r>
+            <a:r>
+              <a:rPr lang="en-US" altLang="zh-CN" dirty="0" smtClean="0"/>
+              <a:t>SRS</a:t>
+            </a:r>
+            <a:r>
+              <a:rPr lang="zh-CN" altLang="en-US" dirty="0" smtClean="0"/>
+              <a:t>可扩展读出系统的特点，提出了未来</a:t>
+            </a:r>
+            <a:r>
+              <a:rPr lang="en-US" altLang="zh-CN" dirty="0" smtClean="0"/>
+              <a:t>CEPC</a:t>
+            </a:r>
+            <a:r>
+              <a:rPr lang="zh-CN" altLang="en-US" dirty="0" smtClean="0"/>
+              <a:t>量能器数据获取系统方案，该系统可以给</a:t>
+            </a:r>
+            <a:r>
+              <a:rPr lang="en-US" altLang="zh-CN" dirty="0" smtClean="0"/>
+              <a:t>ECAL</a:t>
+            </a:r>
+            <a:r>
+              <a:rPr lang="zh-CN" altLang="en-US" dirty="0" smtClean="0"/>
+              <a:t>和</a:t>
+            </a:r>
+            <a:r>
+              <a:rPr lang="en-US" altLang="zh-CN" dirty="0" smtClean="0"/>
+              <a:t>HCAL</a:t>
+            </a:r>
+            <a:r>
+              <a:rPr lang="zh-CN" altLang="en-US" dirty="0" smtClean="0"/>
+              <a:t>使用，根据系统规模的大小，可分为中小规模和大规模数据获取系统，一个探测平面由一块</a:t>
+            </a:r>
+            <a:r>
+              <a:rPr lang="en-US" altLang="zh-CN" dirty="0" smtClean="0"/>
+              <a:t>DIF</a:t>
+            </a:r>
+            <a:r>
+              <a:rPr lang="zh-CN" altLang="en-US" dirty="0" smtClean="0"/>
+              <a:t>卡，中小规模</a:t>
+            </a:r>
+            <a:r>
+              <a:rPr lang="en-US" altLang="zh-CN" dirty="0" smtClean="0"/>
+              <a:t>DIF</a:t>
+            </a:r>
+            <a:r>
+              <a:rPr lang="zh-CN" altLang="en-US" dirty="0" smtClean="0"/>
+              <a:t>可直接连至交换机，大规模可通过</a:t>
+            </a:r>
+            <a:r>
+              <a:rPr lang="en-US" altLang="zh-CN" dirty="0" smtClean="0"/>
+              <a:t>DTCC</a:t>
+            </a:r>
+            <a:r>
+              <a:rPr lang="zh-CN" altLang="en-US" dirty="0" smtClean="0"/>
+              <a:t>接口，将数据整合到</a:t>
+            </a:r>
+            <a:r>
+              <a:rPr lang="en-US" altLang="zh-CN" dirty="0" smtClean="0"/>
+              <a:t>SRU</a:t>
+            </a:r>
+            <a:r>
+              <a:rPr lang="zh-CN" altLang="en-US" dirty="0" smtClean="0"/>
+              <a:t>上，再传往后端。同时时钟同步可直接与</a:t>
+            </a:r>
+            <a:r>
+              <a:rPr lang="en-US" altLang="zh-CN" dirty="0" smtClean="0"/>
+              <a:t>DIF</a:t>
+            </a:r>
+            <a:r>
+              <a:rPr lang="zh-CN" altLang="en-US" dirty="0" smtClean="0"/>
+              <a:t>或者</a:t>
+            </a:r>
+            <a:r>
+              <a:rPr lang="en-US" altLang="zh-CN" dirty="0" smtClean="0"/>
+              <a:t>SRU</a:t>
+            </a:r>
+            <a:r>
+              <a:rPr lang="zh-CN" altLang="en-US" dirty="0" smtClean="0"/>
+              <a:t>相连。</a:t>
+            </a:r>
+            <a:endParaRPr lang="zh-CN" altLang="en-US" dirty="0"/>
+          </a:p>
+        </p:txBody>
+      </p:sp>
+      <p:sp>
+        <p:nvSpPr>
+          <p:cNvPr id="4" name="灯片编号占位符 3"/>
+          <p:cNvSpPr>
+            <a:spLocks noGrp="1"/>
+          </p:cNvSpPr>
+          <p:nvPr>
+            <p:ph type="sldNum" sz="quarter" idx="10"/>
+          </p:nvPr>
+        </p:nvSpPr>
+        <p:spPr/>
+        <p:txBody>
+          <a:bodyPr/>
+          <a:lstStyle/>
+          <a:p>
+            <a:pPr>
+              <a:defRPr/>
+            </a:pPr>
+            <a:fld id="{B99B61ED-B7A9-4C21-8DC5-D98D38EDDCA2}" type="slidenum">
+              <a:rPr lang="zh-CN" altLang="en-US" smtClean="0"/>
+              <a:pPr>
+                <a:defRPr/>
+              </a:pPr>
+              <a:t>6</a:t>
+            </a:fld>
+            <a:endParaRPr lang="zh-CN" altLang="en-US"/>
+          </a:p>
+        </p:txBody>
+      </p:sp>
+    </p:spTree>
+    <p:extLst>
+      <p:ext uri="{BB962C8B-B14F-4D97-AF65-F5344CB8AC3E}">
+        <p14:creationId xmlns:p14="http://schemas.microsoft.com/office/powerpoint/2010/main" val="2623250612"/>
       </p:ext>
     </p:extLst>
   </p:cSld>
@@ -4989,7 +5267,7 @@
           <a:graphicData uri="http://schemas.openxmlformats.org/presentationml/2006/ole">
             <mc:AlternateContent xmlns:mc="http://schemas.openxmlformats.org/markup-compatibility/2006">
               <mc:Choice xmlns:v="urn:schemas-microsoft-com:vml" Requires="v">
-                <p:oleObj spid="_x0000_s6162" name="Visio" r:id="rId3" imgW="7439037" imgH="2114593" progId="Visio.Drawing.15">
+                <p:oleObj spid="_x0000_s6164" name="Visio" r:id="rId3" imgW="7439037" imgH="2114593" progId="Visio.Drawing.15">
                   <p:embed/>
                 </p:oleObj>
               </mc:Choice>
@@ -6519,32 +6797,271 @@
                 <a:latin typeface="黑体" panose="02010609060101010101" pitchFamily="49" charset="-122"/>
                 <a:ea typeface="黑体" panose="02010609060101010101" pitchFamily="49" charset="-122"/>
               </a:rPr>
-              <a:t>(RMS) = </a:t>
-            </a:r>
-            <a:r>
-              <a:rPr lang="en-US" altLang="zh-CN" sz="2000" dirty="0" smtClean="0">
+              <a:t>(RMS) = 0.35fC</a:t>
+            </a:r>
+          </a:p>
+        </p:txBody>
+      </p:sp>
+      <p:sp>
+        <p:nvSpPr>
+          <p:cNvPr id="21" name="矩形 20"/>
+          <p:cNvSpPr/>
+          <p:nvPr/>
+        </p:nvSpPr>
+        <p:spPr>
+          <a:xfrm>
+            <a:off x="5662951" y="4163171"/>
+            <a:ext cx="3082796" cy="707886"/>
+          </a:xfrm>
+          <a:prstGeom prst="rect">
+            <a:avLst/>
+          </a:prstGeom>
+        </p:spPr>
+        <p:txBody>
+          <a:bodyPr wrap="square">
+            <a:spAutoFit/>
+          </a:bodyPr>
+          <a:lstStyle/>
+          <a:p>
+            <a:r>
+              <a:rPr lang="zh-CN" altLang="en-US" sz="2000" dirty="0" smtClean="0">
                 <a:latin typeface="黑体" panose="02010609060101010101" pitchFamily="49" charset="-122"/>
                 <a:ea typeface="黑体" panose="02010609060101010101" pitchFamily="49" charset="-122"/>
               </a:rPr>
-              <a:t>0.35fC</a:t>
+              <a:t>接上探测器之前</a:t>
             </a:r>
             <a:endParaRPr lang="en-US" altLang="zh-CN" sz="2000" dirty="0" smtClean="0">
               <a:latin typeface="黑体" panose="02010609060101010101" pitchFamily="49" charset="-122"/>
               <a:ea typeface="黑体" panose="02010609060101010101" pitchFamily="49" charset="-122"/>
             </a:endParaRPr>
           </a:p>
-        </p:txBody>
-      </p:sp>
-      <p:sp>
-        <p:nvSpPr>
-          <p:cNvPr id="21" name="矩形 20"/>
+          <a:p>
+            <a:r>
+              <a:rPr lang="en-US" altLang="zh-CN" sz="2000" dirty="0" smtClean="0">
+                <a:latin typeface="黑体" panose="02010609060101010101" pitchFamily="49" charset="-122"/>
+                <a:ea typeface="黑体" panose="02010609060101010101" pitchFamily="49" charset="-122"/>
+              </a:rPr>
+              <a:t>DAC0</a:t>
+            </a:r>
+            <a:r>
+              <a:rPr lang="zh-CN" altLang="en-US" sz="2000" dirty="0" smtClean="0">
+                <a:latin typeface="黑体" panose="02010609060101010101" pitchFamily="49" charset="-122"/>
+                <a:ea typeface="黑体" panose="02010609060101010101" pitchFamily="49" charset="-122"/>
+              </a:rPr>
+              <a:t>噪声</a:t>
+            </a:r>
+            <a:r>
+              <a:rPr lang="en-US" altLang="zh-CN" sz="2000" dirty="0" smtClean="0">
+                <a:latin typeface="黑体" panose="02010609060101010101" pitchFamily="49" charset="-122"/>
+                <a:ea typeface="黑体" panose="02010609060101010101" pitchFamily="49" charset="-122"/>
+              </a:rPr>
+              <a:t>(RMS) = 0.15fC</a:t>
+            </a:r>
+          </a:p>
+        </p:txBody>
+      </p:sp>
+      <p:sp>
+        <p:nvSpPr>
+          <p:cNvPr id="3" name="矩形 2"/>
           <p:cNvSpPr/>
           <p:nvPr/>
         </p:nvSpPr>
         <p:spPr>
           <a:xfrm>
-            <a:off x="5662951" y="4163171"/>
-            <a:ext cx="3082796" cy="707886"/>
+            <a:off x="859735" y="5043958"/>
+            <a:ext cx="989373" cy="461665"/>
+          </a:xfrm>
+          <a:prstGeom prst="rect">
+            <a:avLst/>
+          </a:prstGeom>
+        </p:spPr>
+        <p:txBody>
+          <a:bodyPr wrap="none">
+            <a:spAutoFit/>
+          </a:bodyPr>
+          <a:lstStyle/>
+          <a:p>
+            <a:r>
+              <a:rPr lang="en-US" altLang="zh-CN" sz="2400" dirty="0">
+                <a:latin typeface="Times New Roman" panose="02020603050405020304" pitchFamily="18" charset="0"/>
+                <a:ea typeface="黑体" panose="02010609060101010101" pitchFamily="49" charset="-122"/>
+                <a:cs typeface="Times New Roman" panose="02020603050405020304" pitchFamily="18" charset="0"/>
+              </a:rPr>
+              <a:t>DAC0</a:t>
+            </a:r>
+            <a:endParaRPr lang="zh-CN" altLang="en-US" dirty="0"/>
+          </a:p>
+        </p:txBody>
+      </p:sp>
+      <p:sp>
+        <p:nvSpPr>
+          <p:cNvPr id="22" name="矩形 21"/>
+          <p:cNvSpPr/>
+          <p:nvPr/>
+        </p:nvSpPr>
+        <p:spPr>
+          <a:xfrm>
+            <a:off x="3544888" y="4224873"/>
+            <a:ext cx="989373" cy="461665"/>
+          </a:xfrm>
+          <a:prstGeom prst="rect">
+            <a:avLst/>
+          </a:prstGeom>
+        </p:spPr>
+        <p:txBody>
+          <a:bodyPr wrap="none">
+            <a:spAutoFit/>
+          </a:bodyPr>
+          <a:lstStyle/>
+          <a:p>
+            <a:r>
+              <a:rPr lang="en-US" altLang="zh-CN" sz="2400" dirty="0">
+                <a:latin typeface="Times New Roman" panose="02020603050405020304" pitchFamily="18" charset="0"/>
+                <a:ea typeface="黑体" panose="02010609060101010101" pitchFamily="49" charset="-122"/>
+                <a:cs typeface="Times New Roman" panose="02020603050405020304" pitchFamily="18" charset="0"/>
+              </a:rPr>
+              <a:t>DAC0</a:t>
+            </a:r>
+            <a:endParaRPr lang="zh-CN" altLang="en-US" dirty="0"/>
+          </a:p>
+        </p:txBody>
+      </p:sp>
+    </p:spTree>
+    <p:extLst>
+      <p:ext uri="{BB962C8B-B14F-4D97-AF65-F5344CB8AC3E}">
+        <p14:creationId xmlns:p14="http://schemas.microsoft.com/office/powerpoint/2010/main" val="2377454182"/>
+      </p:ext>
+    </p:extLst>
+  </p:cSld>
+  <p:clrMapOvr>
+    <a:masterClrMapping/>
+  </p:clrMapOvr>
+  <p:transition>
+    <p:random/>
+  </p:transition>
+  <p:timing>
+    <p:tnLst>
+      <p:par>
+        <p:cTn id="1" dur="indefinite" restart="never" nodeType="tmRoot"/>
+      </p:par>
+    </p:tnLst>
+  </p:timing>
+</p:sld>
+</file>
+
+<file path=ppt/slides/slide5.xml><?xml version="1.0" encoding="utf-8"?>
+<p:sld xmlns:a="http://schemas.openxmlformats.org/drawingml/2006/main" xmlns:r="http://schemas.openxmlformats.org/officeDocument/2006/relationships" xmlns:p="http://schemas.openxmlformats.org/presentationml/2006/main">
+  <p:cSld>
+    <p:spTree>
+      <p:nvGrpSpPr>
+        <p:cNvPr id="1" name=""/>
+        <p:cNvGrpSpPr/>
+        <p:nvPr/>
+      </p:nvGrpSpPr>
+      <p:grpSpPr>
+        <a:xfrm>
+          <a:off x="0" y="0"/>
+          <a:ext cx="0" cy="0"/>
+          <a:chOff x="0" y="0"/>
+          <a:chExt cx="0" cy="0"/>
+        </a:xfrm>
+      </p:grpSpPr>
+      <p:sp>
+        <p:nvSpPr>
+          <p:cNvPr id="2" name="标题 1"/>
+          <p:cNvSpPr>
+            <a:spLocks noGrp="1"/>
+          </p:cNvSpPr>
+          <p:nvPr>
+            <p:ph type="title"/>
+          </p:nvPr>
+        </p:nvSpPr>
+        <p:spPr/>
+        <p:txBody>
+          <a:bodyPr/>
+          <a:lstStyle/>
+          <a:p>
+            <a:r>
+              <a:rPr lang="zh-CN" altLang="en-US" dirty="0" smtClean="0">
+                <a:latin typeface="黑体" panose="02010609060101010101" pitchFamily="49" charset="-122"/>
+                <a:ea typeface="黑体" panose="02010609060101010101" pitchFamily="49" charset="-122"/>
+              </a:rPr>
+              <a:t>电子学下一步</a:t>
+            </a:r>
+            <a:r>
+              <a:rPr lang="en-US" altLang="zh-CN" dirty="0" smtClean="0">
+                <a:latin typeface="黑体" panose="02010609060101010101" pitchFamily="49" charset="-122"/>
+                <a:ea typeface="黑体" panose="02010609060101010101" pitchFamily="49" charset="-122"/>
+              </a:rPr>
+              <a:t>——</a:t>
+            </a:r>
+            <a:r>
+              <a:rPr lang="zh-CN" altLang="en-US" dirty="0" smtClean="0">
+                <a:latin typeface="黑体" panose="02010609060101010101" pitchFamily="49" charset="-122"/>
+                <a:ea typeface="黑体" panose="02010609060101010101" pitchFamily="49" charset="-122"/>
+              </a:rPr>
+              <a:t>探测器集成</a:t>
+            </a:r>
+            <a:endParaRPr lang="zh-CN" altLang="en-US" dirty="0">
+              <a:latin typeface="黑体" panose="02010609060101010101" pitchFamily="49" charset="-122"/>
+              <a:ea typeface="黑体" panose="02010609060101010101" pitchFamily="49" charset="-122"/>
+            </a:endParaRPr>
+          </a:p>
+        </p:txBody>
+      </p:sp>
+      <p:sp>
+        <p:nvSpPr>
+          <p:cNvPr id="4" name="页脚占位符 3"/>
+          <p:cNvSpPr>
+            <a:spLocks noGrp="1"/>
+          </p:cNvSpPr>
+          <p:nvPr>
+            <p:ph type="ftr" sz="quarter" idx="10"/>
+          </p:nvPr>
+        </p:nvSpPr>
+        <p:spPr/>
+        <p:txBody>
+          <a:bodyPr/>
+          <a:lstStyle/>
+          <a:p>
+            <a:endParaRPr kumimoji="0" lang="zh-CN" altLang="en-US"/>
+          </a:p>
+        </p:txBody>
+      </p:sp>
+      <p:pic>
+        <p:nvPicPr>
+          <p:cNvPr id="5" name="图片 4"/>
+          <p:cNvPicPr>
+            <a:picLocks noChangeAspect="1"/>
+          </p:cNvPicPr>
+          <p:nvPr/>
+        </p:nvPicPr>
+        <p:blipFill>
+          <a:blip r:embed="rId3"/>
+          <a:stretch>
+            <a:fillRect/>
+          </a:stretch>
+        </p:blipFill>
+        <p:spPr>
+          <a:xfrm>
+            <a:off x="577022" y="1376734"/>
+            <a:ext cx="7989955" cy="2808364"/>
+          </a:xfrm>
+          <a:prstGeom prst="rect">
+            <a:avLst/>
+          </a:prstGeom>
+        </p:spPr>
+      </p:pic>
+      <p:sp>
+        <p:nvSpPr>
+          <p:cNvPr id="6" name="矩形 5"/>
+          <p:cNvSpPr/>
+          <p:nvPr/>
+        </p:nvSpPr>
+        <p:spPr>
+          <a:xfrm>
+            <a:off x="577022" y="4401126"/>
+            <a:ext cx="1510656" cy="646331"/>
           </a:xfrm>
           <a:prstGeom prst="rect">
             <a:avLst/>
@@ -6557,123 +7074,478 @@
           <a:lstStyle/>
           <a:p>
             <a:r>
-              <a:rPr lang="zh-CN" altLang="en-US" sz="2000" dirty="0" smtClean="0">
+              <a:rPr lang="en-US" altLang="zh-CN" dirty="0" smtClean="0">
                 <a:latin typeface="黑体" panose="02010609060101010101" pitchFamily="49" charset="-122"/>
                 <a:ea typeface="黑体" panose="02010609060101010101" pitchFamily="49" charset="-122"/>
               </a:rPr>
-              <a:t>接上探测器之前</a:t>
-            </a:r>
-            <a:endParaRPr lang="en-US" altLang="zh-CN" sz="2000" dirty="0" smtClean="0">
+              <a:t>50cm x 50cm</a:t>
+            </a:r>
+          </a:p>
+          <a:p>
+            <a:r>
+              <a:rPr lang="zh-CN" altLang="en-US" dirty="0" smtClean="0">
+                <a:latin typeface="黑体" panose="02010609060101010101" pitchFamily="49" charset="-122"/>
+                <a:ea typeface="黑体" panose="02010609060101010101" pitchFamily="49" charset="-122"/>
+              </a:rPr>
+              <a:t>盲埋孔工艺</a:t>
+            </a:r>
+            <a:endParaRPr lang="en-US" altLang="zh-CN" dirty="0" smtClean="0">
               <a:latin typeface="黑体" panose="02010609060101010101" pitchFamily="49" charset="-122"/>
               <a:ea typeface="黑体" panose="02010609060101010101" pitchFamily="49" charset="-122"/>
             </a:endParaRPr>
           </a:p>
-          <a:p>
-            <a:r>
-              <a:rPr lang="en-US" altLang="zh-CN" sz="2000" dirty="0" smtClean="0">
+        </p:txBody>
+      </p:sp>
+      <p:sp>
+        <p:nvSpPr>
+          <p:cNvPr id="7" name="矩形 6"/>
+          <p:cNvSpPr/>
+          <p:nvPr/>
+        </p:nvSpPr>
+        <p:spPr>
+          <a:xfrm>
+            <a:off x="3383846" y="4428372"/>
+            <a:ext cx="2700350" cy="646331"/>
+          </a:xfrm>
+          <a:prstGeom prst="rect">
+            <a:avLst/>
+          </a:prstGeom>
+        </p:spPr>
+        <p:txBody>
+          <a:bodyPr wrap="square">
+            <a:spAutoFit/>
+          </a:bodyPr>
+          <a:lstStyle/>
+          <a:p>
+            <a:r>
+              <a:rPr lang="zh-CN" altLang="en-US" dirty="0" smtClean="0">
                 <a:latin typeface="黑体" panose="02010609060101010101" pitchFamily="49" charset="-122"/>
                 <a:ea typeface="黑体" panose="02010609060101010101" pitchFamily="49" charset="-122"/>
               </a:rPr>
-              <a:t>DAC0</a:t>
-            </a:r>
-            <a:r>
-              <a:rPr lang="zh-CN" altLang="en-US" sz="2000" dirty="0" smtClean="0">
+              <a:t>新型</a:t>
+            </a:r>
+            <a:r>
+              <a:rPr lang="en-US" altLang="zh-CN" dirty="0" smtClean="0">
                 <a:latin typeface="黑体" panose="02010609060101010101" pitchFamily="49" charset="-122"/>
                 <a:ea typeface="黑体" panose="02010609060101010101" pitchFamily="49" charset="-122"/>
               </a:rPr>
-              <a:t>噪声</a:t>
-            </a:r>
-            <a:r>
-              <a:rPr lang="en-US" altLang="zh-CN" sz="2000" dirty="0" smtClean="0">
+              <a:t>DIF</a:t>
+            </a:r>
+            <a:r>
+              <a:rPr lang="zh-CN" altLang="en-US" dirty="0" smtClean="0">
                 <a:latin typeface="黑体" panose="02010609060101010101" pitchFamily="49" charset="-122"/>
                 <a:ea typeface="黑体" panose="02010609060101010101" pitchFamily="49" charset="-122"/>
               </a:rPr>
-              <a:t>(RMS) = </a:t>
-            </a:r>
-            <a:r>
-              <a:rPr lang="en-US" altLang="zh-CN" sz="2000" dirty="0" smtClean="0">
-                <a:latin typeface="黑体" panose="02010609060101010101" pitchFamily="49" charset="-122"/>
-                <a:ea typeface="黑体" panose="02010609060101010101" pitchFamily="49" charset="-122"/>
-              </a:rPr>
-              <a:t>0.15fC</a:t>
-            </a:r>
-            <a:endParaRPr lang="en-US" altLang="zh-CN" sz="2000" dirty="0" smtClean="0">
+              <a:t>板</a:t>
+            </a:r>
+            <a:endParaRPr lang="en-US" altLang="zh-CN" dirty="0" smtClean="0">
               <a:latin typeface="黑体" panose="02010609060101010101" pitchFamily="49" charset="-122"/>
               <a:ea typeface="黑体" panose="02010609060101010101" pitchFamily="49" charset="-122"/>
             </a:endParaRPr>
           </a:p>
-        </p:txBody>
-      </p:sp>
-      <p:sp>
-        <p:nvSpPr>
-          <p:cNvPr id="3" name="矩形 2"/>
+          <a:p>
+            <a:r>
+              <a:rPr lang="zh-CN" altLang="en-US" dirty="0" smtClean="0">
+                <a:latin typeface="黑体" panose="02010609060101010101" pitchFamily="49" charset="-122"/>
+                <a:ea typeface="黑体" panose="02010609060101010101" pitchFamily="49" charset="-122"/>
+              </a:rPr>
+              <a:t>可同时处理多条数据链路</a:t>
+            </a:r>
+            <a:endParaRPr lang="en-US" altLang="zh-CN" dirty="0" smtClean="0">
+              <a:latin typeface="黑体" panose="02010609060101010101" pitchFamily="49" charset="-122"/>
+              <a:ea typeface="黑体" panose="02010609060101010101" pitchFamily="49" charset="-122"/>
+            </a:endParaRPr>
+          </a:p>
+        </p:txBody>
+      </p:sp>
+      <p:sp>
+        <p:nvSpPr>
+          <p:cNvPr id="8" name="矩形 7"/>
           <p:cNvSpPr/>
           <p:nvPr/>
         </p:nvSpPr>
         <p:spPr>
           <a:xfrm>
-            <a:off x="859735" y="5043958"/>
-            <a:ext cx="989373" cy="461665"/>
+            <a:off x="1422825" y="5290731"/>
+            <a:ext cx="3159264" cy="369332"/>
           </a:xfrm>
           <a:prstGeom prst="rect">
             <a:avLst/>
           </a:prstGeom>
         </p:spPr>
         <p:txBody>
-          <a:bodyPr wrap="none">
+          <a:bodyPr wrap="square">
             <a:spAutoFit/>
           </a:bodyPr>
           <a:lstStyle/>
           <a:p>
             <a:r>
-              <a:rPr lang="en-US" altLang="zh-CN" sz="2400" dirty="0">
-                <a:latin typeface="Times New Roman" panose="02020603050405020304" pitchFamily="18" charset="0"/>
-                <a:ea typeface="黑体" panose="02010609060101010101" pitchFamily="49" charset="-122"/>
-                <a:cs typeface="Times New Roman" panose="02020603050405020304" pitchFamily="18" charset="0"/>
-              </a:rPr>
-              <a:t>DAC0</a:t>
-            </a:r>
-            <a:endParaRPr lang="zh-CN" altLang="en-US" dirty="0"/>
-          </a:p>
-        </p:txBody>
-      </p:sp>
-      <p:sp>
-        <p:nvSpPr>
-          <p:cNvPr id="22" name="矩形 21"/>
-          <p:cNvSpPr/>
+              <a:rPr lang="zh-CN" altLang="en-US" dirty="0" smtClean="0">
+                <a:latin typeface="黑体" panose="02010609060101010101" pitchFamily="49" charset="-122"/>
+                <a:ea typeface="黑体" panose="02010609060101010101" pitchFamily="49" charset="-122"/>
+              </a:rPr>
+              <a:t>电子学</a:t>
+            </a:r>
+            <a:r>
+              <a:rPr lang="en-US" altLang="zh-CN" dirty="0" smtClean="0">
+                <a:latin typeface="黑体" panose="02010609060101010101" pitchFamily="49" charset="-122"/>
+                <a:ea typeface="黑体" panose="02010609060101010101" pitchFamily="49" charset="-122"/>
+              </a:rPr>
+              <a:t>ASIC</a:t>
+            </a:r>
+            <a:r>
+              <a:rPr lang="zh-CN" altLang="en-US" dirty="0" smtClean="0">
+                <a:latin typeface="黑体" panose="02010609060101010101" pitchFamily="49" charset="-122"/>
+                <a:ea typeface="黑体" panose="02010609060101010101" pitchFamily="49" charset="-122"/>
+              </a:rPr>
+              <a:t>集成到探测器背面</a:t>
+            </a:r>
+            <a:endParaRPr lang="en-US" altLang="zh-CN" dirty="0" smtClean="0">
+              <a:latin typeface="黑体" panose="02010609060101010101" pitchFamily="49" charset="-122"/>
+              <a:ea typeface="黑体" panose="02010609060101010101" pitchFamily="49" charset="-122"/>
+            </a:endParaRPr>
+          </a:p>
+        </p:txBody>
+      </p:sp>
+    </p:spTree>
+    <p:extLst>
+      <p:ext uri="{BB962C8B-B14F-4D97-AF65-F5344CB8AC3E}">
+        <p14:creationId xmlns:p14="http://schemas.microsoft.com/office/powerpoint/2010/main" val="1812695998"/>
+      </p:ext>
+    </p:extLst>
+  </p:cSld>
+  <p:clrMapOvr>
+    <a:masterClrMapping/>
+  </p:clrMapOvr>
+  <p:transition>
+    <p:random/>
+  </p:transition>
+</p:sld>
+</file>
+
+<file path=ppt/slides/slide6.xml><?xml version="1.0" encoding="utf-8"?>
+<p:sld xmlns:a="http://schemas.openxmlformats.org/drawingml/2006/main" xmlns:r="http://schemas.openxmlformats.org/officeDocument/2006/relationships" xmlns:p="http://schemas.openxmlformats.org/presentationml/2006/main">
+  <p:cSld>
+    <p:spTree>
+      <p:nvGrpSpPr>
+        <p:cNvPr id="1" name=""/>
+        <p:cNvGrpSpPr/>
+        <p:nvPr/>
+      </p:nvGrpSpPr>
+      <p:grpSpPr>
+        <a:xfrm>
+          <a:off x="0" y="0"/>
+          <a:ext cx="0" cy="0"/>
+          <a:chOff x="0" y="0"/>
+          <a:chExt cx="0" cy="0"/>
+        </a:xfrm>
+      </p:grpSpPr>
+      <p:sp>
+        <p:nvSpPr>
+          <p:cNvPr id="2" name="标题 1"/>
+          <p:cNvSpPr>
+            <a:spLocks noGrp="1"/>
+          </p:cNvSpPr>
+          <p:nvPr>
+            <p:ph type="title"/>
+          </p:nvPr>
+        </p:nvSpPr>
+        <p:spPr/>
+        <p:txBody>
+          <a:bodyPr/>
+          <a:lstStyle/>
+          <a:p>
+            <a:r>
+              <a:rPr lang="zh-CN" altLang="en-US" dirty="0" smtClean="0">
+                <a:latin typeface="黑体" panose="02010609060101010101" pitchFamily="49" charset="-122"/>
+                <a:ea typeface="黑体" panose="02010609060101010101" pitchFamily="49" charset="-122"/>
+              </a:rPr>
+              <a:t>未来</a:t>
+            </a:r>
+            <a:r>
+              <a:rPr lang="zh-CN" altLang="en-US" dirty="0" smtClean="0">
+                <a:latin typeface="黑体" panose="02010609060101010101" pitchFamily="49" charset="-122"/>
+                <a:ea typeface="黑体" panose="02010609060101010101" pitchFamily="49" charset="-122"/>
+              </a:rPr>
+              <a:t>量能器数据获取系统</a:t>
+            </a:r>
+            <a:endParaRPr lang="zh-CN" altLang="en-US" dirty="0">
+              <a:latin typeface="黑体" panose="02010609060101010101" pitchFamily="49" charset="-122"/>
+              <a:ea typeface="黑体" panose="02010609060101010101" pitchFamily="49" charset="-122"/>
+            </a:endParaRPr>
+          </a:p>
+        </p:txBody>
+      </p:sp>
+      <p:sp>
+        <p:nvSpPr>
+          <p:cNvPr id="4" name="页脚占位符 3"/>
+          <p:cNvSpPr>
+            <a:spLocks noGrp="1"/>
+          </p:cNvSpPr>
+          <p:nvPr>
+            <p:ph type="ftr" sz="quarter" idx="10"/>
+          </p:nvPr>
+        </p:nvSpPr>
+        <p:spPr/>
+        <p:txBody>
+          <a:bodyPr/>
+          <a:lstStyle/>
+          <a:p>
+            <a:endParaRPr kumimoji="0" lang="zh-CN" altLang="en-US"/>
+          </a:p>
+        </p:txBody>
+      </p:sp>
+      <p:pic>
+        <p:nvPicPr>
+          <p:cNvPr id="5" name="图片 4"/>
+          <p:cNvPicPr/>
           <p:nvPr/>
-        </p:nvSpPr>
+        </p:nvPicPr>
+        <p:blipFill>
+          <a:blip r:embed="rId3"/>
+          <a:stretch>
+            <a:fillRect/>
+          </a:stretch>
+        </p:blipFill>
         <p:spPr>
           <a:xfrm>
-            <a:off x="3544888" y="4224873"/>
-            <a:ext cx="989373" cy="461665"/>
+            <a:off x="3779912" y="1095541"/>
+            <a:ext cx="4680592" cy="2405467"/>
           </a:xfrm>
           <a:prstGeom prst="rect">
             <a:avLst/>
           </a:prstGeom>
         </p:spPr>
-        <p:txBody>
-          <a:bodyPr wrap="none">
+      </p:pic>
+      <p:sp>
+        <p:nvSpPr>
+          <p:cNvPr id="6" name="矩形 5"/>
+          <p:cNvSpPr/>
+          <p:nvPr/>
+        </p:nvSpPr>
+        <p:spPr>
+          <a:xfrm>
+            <a:off x="179512" y="1340768"/>
+            <a:ext cx="2952328" cy="523220"/>
+          </a:xfrm>
+          <a:prstGeom prst="rect">
+            <a:avLst/>
+          </a:prstGeom>
+        </p:spPr>
+        <p:txBody>
+          <a:bodyPr wrap="square">
             <a:spAutoFit/>
           </a:bodyPr>
           <a:lstStyle/>
           <a:p>
             <a:r>
-              <a:rPr lang="en-US" altLang="zh-CN" sz="2400" dirty="0">
-                <a:latin typeface="Times New Roman" panose="02020603050405020304" pitchFamily="18" charset="0"/>
-                <a:ea typeface="黑体" panose="02010609060101010101" pitchFamily="49" charset="-122"/>
-                <a:cs typeface="Times New Roman" panose="02020603050405020304" pitchFamily="18" charset="0"/>
-              </a:rPr>
-              <a:t>DAC0</a:t>
-            </a:r>
-            <a:endParaRPr lang="zh-CN" altLang="en-US" dirty="0"/>
+              <a:rPr lang="zh-CN" altLang="en-US" sz="2800" dirty="0" smtClean="0">
+                <a:latin typeface="黑体" panose="02010609060101010101" pitchFamily="49" charset="-122"/>
+                <a:ea typeface="黑体" panose="02010609060101010101" pitchFamily="49" charset="-122"/>
+              </a:rPr>
+              <a:t>方案一：</a:t>
+            </a:r>
+            <a:r>
+              <a:rPr lang="en-US" altLang="zh-CN" sz="2800" dirty="0" smtClean="0">
+                <a:latin typeface="黑体" panose="02010609060101010101" pitchFamily="49" charset="-122"/>
+                <a:ea typeface="黑体" panose="02010609060101010101" pitchFamily="49" charset="-122"/>
+              </a:rPr>
+              <a:t>SRS</a:t>
+            </a:r>
+            <a:r>
+              <a:rPr lang="zh-CN" altLang="en-US" sz="2800" dirty="0" smtClean="0">
+                <a:latin typeface="黑体" panose="02010609060101010101" pitchFamily="49" charset="-122"/>
+                <a:ea typeface="黑体" panose="02010609060101010101" pitchFamily="49" charset="-122"/>
+              </a:rPr>
+              <a:t>架构</a:t>
+            </a:r>
+            <a:endParaRPr lang="en-US" altLang="zh-CN" sz="2800" dirty="0" smtClean="0">
+              <a:latin typeface="黑体" panose="02010609060101010101" pitchFamily="49" charset="-122"/>
+              <a:ea typeface="黑体" panose="02010609060101010101" pitchFamily="49" charset="-122"/>
+            </a:endParaRPr>
+          </a:p>
+        </p:txBody>
+      </p:sp>
+      <p:sp>
+        <p:nvSpPr>
+          <p:cNvPr id="7" name="矩形 6"/>
+          <p:cNvSpPr/>
+          <p:nvPr/>
+        </p:nvSpPr>
+        <p:spPr>
+          <a:xfrm>
+            <a:off x="0" y="3645024"/>
+            <a:ext cx="3275856" cy="523220"/>
+          </a:xfrm>
+          <a:prstGeom prst="rect">
+            <a:avLst/>
+          </a:prstGeom>
+        </p:spPr>
+        <p:txBody>
+          <a:bodyPr wrap="square">
+            <a:spAutoFit/>
+          </a:bodyPr>
+          <a:lstStyle/>
+          <a:p>
+            <a:r>
+              <a:rPr lang="zh-CN" altLang="en-US" sz="2800" dirty="0" smtClean="0">
+                <a:latin typeface="黑体" panose="02010609060101010101" pitchFamily="49" charset="-122"/>
+                <a:ea typeface="黑体" panose="02010609060101010101" pitchFamily="49" charset="-122"/>
+              </a:rPr>
+              <a:t>方案二：</a:t>
+            </a:r>
+            <a:r>
+              <a:rPr lang="en-US" altLang="zh-CN" sz="2800" dirty="0" smtClean="0">
+                <a:latin typeface="黑体" panose="02010609060101010101" pitchFamily="49" charset="-122"/>
+                <a:ea typeface="黑体" panose="02010609060101010101" pitchFamily="49" charset="-122"/>
+              </a:rPr>
+              <a:t>FELIX</a:t>
+            </a:r>
+            <a:r>
+              <a:rPr lang="zh-CN" altLang="en-US" sz="2800" dirty="0" smtClean="0">
+                <a:latin typeface="黑体" panose="02010609060101010101" pitchFamily="49" charset="-122"/>
+                <a:ea typeface="黑体" panose="02010609060101010101" pitchFamily="49" charset="-122"/>
+              </a:rPr>
+              <a:t>架构</a:t>
+            </a:r>
+            <a:endParaRPr lang="en-US" altLang="zh-CN" sz="2800" dirty="0" smtClean="0">
+              <a:latin typeface="黑体" panose="02010609060101010101" pitchFamily="49" charset="-122"/>
+              <a:ea typeface="黑体" panose="02010609060101010101" pitchFamily="49" charset="-122"/>
+            </a:endParaRPr>
+          </a:p>
+        </p:txBody>
+      </p:sp>
+      <p:pic>
+        <p:nvPicPr>
+          <p:cNvPr id="8" name="内容占位符 3"/>
+          <p:cNvPicPr>
+            <a:picLocks noGrp="1" noChangeAspect="1"/>
+          </p:cNvPicPr>
+          <p:nvPr>
+            <p:ph idx="1"/>
+          </p:nvPr>
+        </p:nvPicPr>
+        <p:blipFill>
+          <a:blip r:embed="rId4" cstate="print">
+            <a:extLst>
+              <a:ext uri="{28A0092B-C50C-407E-A947-70E740481C1C}">
+                <a14:useLocalDpi xmlns:a14="http://schemas.microsoft.com/office/drawing/2010/main" val="0"/>
+              </a:ext>
+            </a:extLst>
+          </a:blip>
+          <a:stretch>
+            <a:fillRect/>
+          </a:stretch>
+        </p:blipFill>
+        <p:spPr>
+          <a:xfrm>
+            <a:off x="5580112" y="3497116"/>
+            <a:ext cx="2880392" cy="2860732"/>
+          </a:xfrm>
+        </p:spPr>
+      </p:pic>
+      <p:sp>
+        <p:nvSpPr>
+          <p:cNvPr id="9" name="矩形 8"/>
+          <p:cNvSpPr/>
+          <p:nvPr/>
+        </p:nvSpPr>
+        <p:spPr>
+          <a:xfrm>
+            <a:off x="899592" y="4543926"/>
+            <a:ext cx="3159264" cy="369332"/>
+          </a:xfrm>
+          <a:prstGeom prst="rect">
+            <a:avLst/>
+          </a:prstGeom>
+        </p:spPr>
+        <p:txBody>
+          <a:bodyPr wrap="square">
+            <a:spAutoFit/>
+          </a:bodyPr>
+          <a:lstStyle/>
+          <a:p>
+            <a:r>
+              <a:rPr lang="zh-CN" altLang="en-US" dirty="0" smtClean="0">
+                <a:latin typeface="黑体" panose="02010609060101010101" pitchFamily="49" charset="-122"/>
+                <a:ea typeface="黑体" panose="02010609060101010101" pitchFamily="49" charset="-122"/>
+              </a:rPr>
+              <a:t>通用可扩展的数据获取架构</a:t>
+            </a:r>
+            <a:endParaRPr lang="en-US" altLang="zh-CN" dirty="0" smtClean="0">
+              <a:latin typeface="黑体" panose="02010609060101010101" pitchFamily="49" charset="-122"/>
+              <a:ea typeface="黑体" panose="02010609060101010101" pitchFamily="49" charset="-122"/>
+            </a:endParaRPr>
+          </a:p>
+        </p:txBody>
+      </p:sp>
+      <p:sp>
+        <p:nvSpPr>
+          <p:cNvPr id="10" name="矩形 9"/>
+          <p:cNvSpPr/>
+          <p:nvPr/>
+        </p:nvSpPr>
+        <p:spPr>
+          <a:xfrm>
+            <a:off x="1505541" y="4174594"/>
+            <a:ext cx="3159264" cy="369332"/>
+          </a:xfrm>
+          <a:prstGeom prst="rect">
+            <a:avLst/>
+          </a:prstGeom>
+        </p:spPr>
+        <p:txBody>
+          <a:bodyPr wrap="square">
+            <a:spAutoFit/>
+          </a:bodyPr>
+          <a:lstStyle/>
+          <a:p>
+            <a:r>
+              <a:rPr lang="en-US" altLang="zh-CN" dirty="0" smtClean="0">
+                <a:latin typeface="黑体" panose="02010609060101010101" pitchFamily="49" charset="-122"/>
+                <a:ea typeface="黑体" panose="02010609060101010101" pitchFamily="49" charset="-122"/>
+              </a:rPr>
+              <a:t>(Front End </a:t>
+            </a:r>
+            <a:r>
+              <a:rPr lang="en-US" altLang="zh-CN" dirty="0" err="1" smtClean="0">
+                <a:latin typeface="黑体" panose="02010609060101010101" pitchFamily="49" charset="-122"/>
+                <a:ea typeface="黑体" panose="02010609060101010101" pitchFamily="49" charset="-122"/>
+              </a:rPr>
+              <a:t>LInk</a:t>
+            </a:r>
+            <a:r>
+              <a:rPr lang="en-US" altLang="zh-CN" dirty="0" smtClean="0">
+                <a:latin typeface="黑体" panose="02010609060101010101" pitchFamily="49" charset="-122"/>
+                <a:ea typeface="黑体" panose="02010609060101010101" pitchFamily="49" charset="-122"/>
+              </a:rPr>
+              <a:t> </a:t>
+            </a:r>
+            <a:r>
+              <a:rPr lang="en-US" altLang="zh-CN" dirty="0" err="1" smtClean="0">
+                <a:latin typeface="黑体" panose="02010609060101010101" pitchFamily="49" charset="-122"/>
+                <a:ea typeface="黑体" panose="02010609060101010101" pitchFamily="49" charset="-122"/>
+              </a:rPr>
+              <a:t>eXchange</a:t>
+            </a:r>
+            <a:r>
+              <a:rPr lang="en-US" altLang="zh-CN" dirty="0" smtClean="0">
+                <a:latin typeface="黑体" panose="02010609060101010101" pitchFamily="49" charset="-122"/>
+                <a:ea typeface="黑体" panose="02010609060101010101" pitchFamily="49" charset="-122"/>
+              </a:rPr>
+              <a:t>)</a:t>
+            </a:r>
+            <a:endParaRPr lang="en-US" altLang="zh-CN" dirty="0" smtClean="0">
+              <a:latin typeface="黑体" panose="02010609060101010101" pitchFamily="49" charset="-122"/>
+              <a:ea typeface="黑体" panose="02010609060101010101" pitchFamily="49" charset="-122"/>
+            </a:endParaRPr>
           </a:p>
         </p:txBody>
       </p:sp>
     </p:spTree>
     <p:extLst>
       <p:ext uri="{BB962C8B-B14F-4D97-AF65-F5344CB8AC3E}">
-        <p14:creationId xmlns:p14="http://schemas.microsoft.com/office/powerpoint/2010/main" val="2377454182"/>
+        <p14:creationId xmlns:p14="http://schemas.microsoft.com/office/powerpoint/2010/main" val="3143463882"/>
       </p:ext>
     </p:extLst>
   </p:cSld>
